--- a/games/luckyunicorn/Python Program Documentation.pptx
+++ b/games/luckyunicorn/Python Program Documentation.pptx
@@ -5,7 +5,7 @@
     <p:sldMasterId id="2147483659" r:id="rId4"/>
   </p:sldMasterIdLst>
   <p:notesMasterIdLst>
-    <p:notesMasterId r:id="rId28"/>
+    <p:notesMasterId r:id="rId33"/>
   </p:notesMasterIdLst>
   <p:sldIdLst>
     <p:sldId id="256" r:id="rId5"/>
@@ -29,8 +29,13 @@
     <p:sldId id="278" r:id="rId23"/>
     <p:sldId id="279" r:id="rId24"/>
     <p:sldId id="280" r:id="rId25"/>
-    <p:sldId id="281" r:id="rId26"/>
+    <p:sldId id="283" r:id="rId26"/>
     <p:sldId id="282" r:id="rId27"/>
+    <p:sldId id="281" r:id="rId28"/>
+    <p:sldId id="284" r:id="rId29"/>
+    <p:sldId id="285" r:id="rId30"/>
+    <p:sldId id="286" r:id="rId31"/>
+    <p:sldId id="287" r:id="rId32"/>
   </p:sldIdLst>
   <p:sldSz cx="9144000" cy="5143500" type="screen16x9"/>
   <p:notesSz cx="6858000" cy="9144000"/>
@@ -1849,7 +1854,7 @@
     </p:spTree>
     <p:extLst>
       <p:ext uri="{BB962C8B-B14F-4D97-AF65-F5344CB8AC3E}">
-        <p14:creationId xmlns:p14="http://schemas.microsoft.com/office/powerpoint/2010/main" val="1284591829"/>
+        <p14:creationId xmlns:p14="http://schemas.microsoft.com/office/powerpoint/2010/main" val="4056452143"/>
       </p:ext>
     </p:extLst>
   </p:cSld>
@@ -2086,6 +2091,551 @@
         </p:txBody>
       </p:sp>
     </p:spTree>
+  </p:cSld>
+  <p:clrMapOvr>
+    <a:masterClrMapping/>
+  </p:clrMapOvr>
+</p:notes>
+</file>
+
+<file path=ppt/notesSlides/notesSlide20.xml><?xml version="1.0" encoding="utf-8"?>
+<p:notes xmlns:a="http://schemas.openxmlformats.org/drawingml/2006/main" xmlns:r="http://schemas.openxmlformats.org/officeDocument/2006/relationships" xmlns:p="http://schemas.openxmlformats.org/presentationml/2006/main" showMasterSp="0" showMasterPhAnim="0">
+  <p:cSld>
+    <p:spTree>
+      <p:nvGrpSpPr>
+        <p:cNvPr id="1" name="Shape 80"/>
+        <p:cNvGrpSpPr/>
+        <p:nvPr/>
+      </p:nvGrpSpPr>
+      <p:grpSpPr>
+        <a:xfrm>
+          <a:off x="0" y="0"/>
+          <a:ext cx="0" cy="0"/>
+          <a:chOff x="0" y="0"/>
+          <a:chExt cx="0" cy="0"/>
+        </a:xfrm>
+      </p:grpSpPr>
+      <p:sp>
+        <p:nvSpPr>
+          <p:cNvPr id="81" name="Google Shape;81;ga2e8d2e1f6_0_75:notes"/>
+          <p:cNvSpPr>
+            <a:spLocks noGrp="1" noRot="1" noChangeAspect="1"/>
+          </p:cNvSpPr>
+          <p:nvPr>
+            <p:ph type="sldImg" idx="2"/>
+          </p:nvPr>
+        </p:nvSpPr>
+        <p:spPr>
+          <a:xfrm>
+            <a:off x="381000" y="685800"/>
+            <a:ext cx="6096000" cy="3429000"/>
+          </a:xfrm>
+          <a:custGeom>
+            <a:avLst/>
+            <a:gdLst/>
+            <a:ahLst/>
+            <a:cxnLst/>
+            <a:rect l="l" t="t" r="r" b="b"/>
+            <a:pathLst>
+              <a:path w="120000" h="120000" extrusionOk="0">
+                <a:moveTo>
+                  <a:pt x="0" y="0"/>
+                </a:moveTo>
+                <a:lnTo>
+                  <a:pt x="120000" y="0"/>
+                </a:lnTo>
+                <a:lnTo>
+                  <a:pt x="120000" y="120000"/>
+                </a:lnTo>
+                <a:lnTo>
+                  <a:pt x="0" y="120000"/>
+                </a:lnTo>
+                <a:close/>
+              </a:path>
+            </a:pathLst>
+          </a:custGeom>
+        </p:spPr>
+      </p:sp>
+      <p:sp>
+        <p:nvSpPr>
+          <p:cNvPr id="82" name="Google Shape;82;ga2e8d2e1f6_0_75:notes"/>
+          <p:cNvSpPr txBox="1">
+            <a:spLocks noGrp="1"/>
+          </p:cNvSpPr>
+          <p:nvPr>
+            <p:ph type="body" idx="1"/>
+          </p:nvPr>
+        </p:nvSpPr>
+        <p:spPr>
+          <a:xfrm>
+            <a:off x="685800" y="4343400"/>
+            <a:ext cx="5486400" cy="4114800"/>
+          </a:xfrm>
+          <a:prstGeom prst="rect">
+            <a:avLst/>
+          </a:prstGeom>
+        </p:spPr>
+        <p:txBody>
+          <a:bodyPr spcFirstLastPara="1" wrap="square" lIns="91425" tIns="91425" rIns="91425" bIns="91425" anchor="t" anchorCtr="0">
+            <a:noAutofit/>
+          </a:bodyPr>
+          <a:lstStyle/>
+          <a:p>
+            <a:pPr marL="0" lvl="0" indent="0" algn="l" rtl="0">
+              <a:spcBef>
+                <a:spcPts val="0"/>
+              </a:spcBef>
+              <a:spcAft>
+                <a:spcPts val="0"/>
+              </a:spcAft>
+              <a:buNone/>
+            </a:pPr>
+            <a:endParaRPr/>
+          </a:p>
+        </p:txBody>
+      </p:sp>
+    </p:spTree>
+    <p:extLst>
+      <p:ext uri="{BB962C8B-B14F-4D97-AF65-F5344CB8AC3E}">
+        <p14:creationId xmlns:p14="http://schemas.microsoft.com/office/powerpoint/2010/main" val="1284591829"/>
+      </p:ext>
+    </p:extLst>
+  </p:cSld>
+  <p:clrMapOvr>
+    <a:masterClrMapping/>
+  </p:clrMapOvr>
+</p:notes>
+</file>
+
+<file path=ppt/notesSlides/notesSlide21.xml><?xml version="1.0" encoding="utf-8"?>
+<p:notes xmlns:a="http://schemas.openxmlformats.org/drawingml/2006/main" xmlns:r="http://schemas.openxmlformats.org/officeDocument/2006/relationships" xmlns:p="http://schemas.openxmlformats.org/presentationml/2006/main" showMasterSp="0" showMasterPhAnim="0">
+  <p:cSld>
+    <p:spTree>
+      <p:nvGrpSpPr>
+        <p:cNvPr id="1" name="Shape 80"/>
+        <p:cNvGrpSpPr/>
+        <p:nvPr/>
+      </p:nvGrpSpPr>
+      <p:grpSpPr>
+        <a:xfrm>
+          <a:off x="0" y="0"/>
+          <a:ext cx="0" cy="0"/>
+          <a:chOff x="0" y="0"/>
+          <a:chExt cx="0" cy="0"/>
+        </a:xfrm>
+      </p:grpSpPr>
+      <p:sp>
+        <p:nvSpPr>
+          <p:cNvPr id="81" name="Google Shape;81;ga2e8d2e1f6_0_75:notes"/>
+          <p:cNvSpPr>
+            <a:spLocks noGrp="1" noRot="1" noChangeAspect="1"/>
+          </p:cNvSpPr>
+          <p:nvPr>
+            <p:ph type="sldImg" idx="2"/>
+          </p:nvPr>
+        </p:nvSpPr>
+        <p:spPr>
+          <a:xfrm>
+            <a:off x="381000" y="685800"/>
+            <a:ext cx="6096000" cy="3429000"/>
+          </a:xfrm>
+          <a:custGeom>
+            <a:avLst/>
+            <a:gdLst/>
+            <a:ahLst/>
+            <a:cxnLst/>
+            <a:rect l="l" t="t" r="r" b="b"/>
+            <a:pathLst>
+              <a:path w="120000" h="120000" extrusionOk="0">
+                <a:moveTo>
+                  <a:pt x="0" y="0"/>
+                </a:moveTo>
+                <a:lnTo>
+                  <a:pt x="120000" y="0"/>
+                </a:lnTo>
+                <a:lnTo>
+                  <a:pt x="120000" y="120000"/>
+                </a:lnTo>
+                <a:lnTo>
+                  <a:pt x="0" y="120000"/>
+                </a:lnTo>
+                <a:close/>
+              </a:path>
+            </a:pathLst>
+          </a:custGeom>
+        </p:spPr>
+      </p:sp>
+      <p:sp>
+        <p:nvSpPr>
+          <p:cNvPr id="82" name="Google Shape;82;ga2e8d2e1f6_0_75:notes"/>
+          <p:cNvSpPr txBox="1">
+            <a:spLocks noGrp="1"/>
+          </p:cNvSpPr>
+          <p:nvPr>
+            <p:ph type="body" idx="1"/>
+          </p:nvPr>
+        </p:nvSpPr>
+        <p:spPr>
+          <a:xfrm>
+            <a:off x="685800" y="4343400"/>
+            <a:ext cx="5486400" cy="4114800"/>
+          </a:xfrm>
+          <a:prstGeom prst="rect">
+            <a:avLst/>
+          </a:prstGeom>
+        </p:spPr>
+        <p:txBody>
+          <a:bodyPr spcFirstLastPara="1" wrap="square" lIns="91425" tIns="91425" rIns="91425" bIns="91425" anchor="t" anchorCtr="0">
+            <a:noAutofit/>
+          </a:bodyPr>
+          <a:lstStyle/>
+          <a:p>
+            <a:pPr marL="0" lvl="0" indent="0" algn="l" rtl="0">
+              <a:spcBef>
+                <a:spcPts val="0"/>
+              </a:spcBef>
+              <a:spcAft>
+                <a:spcPts val="0"/>
+              </a:spcAft>
+              <a:buNone/>
+            </a:pPr>
+            <a:endParaRPr/>
+          </a:p>
+        </p:txBody>
+      </p:sp>
+    </p:spTree>
+    <p:extLst>
+      <p:ext uri="{BB962C8B-B14F-4D97-AF65-F5344CB8AC3E}">
+        <p14:creationId xmlns:p14="http://schemas.microsoft.com/office/powerpoint/2010/main" val="3354959135"/>
+      </p:ext>
+    </p:extLst>
+  </p:cSld>
+  <p:clrMapOvr>
+    <a:masterClrMapping/>
+  </p:clrMapOvr>
+</p:notes>
+</file>
+
+<file path=ppt/notesSlides/notesSlide22.xml><?xml version="1.0" encoding="utf-8"?>
+<p:notes xmlns:a="http://schemas.openxmlformats.org/drawingml/2006/main" xmlns:r="http://schemas.openxmlformats.org/officeDocument/2006/relationships" xmlns:p="http://schemas.openxmlformats.org/presentationml/2006/main" showMasterSp="0" showMasterPhAnim="0">
+  <p:cSld>
+    <p:spTree>
+      <p:nvGrpSpPr>
+        <p:cNvPr id="1" name="Shape 80"/>
+        <p:cNvGrpSpPr/>
+        <p:nvPr/>
+      </p:nvGrpSpPr>
+      <p:grpSpPr>
+        <a:xfrm>
+          <a:off x="0" y="0"/>
+          <a:ext cx="0" cy="0"/>
+          <a:chOff x="0" y="0"/>
+          <a:chExt cx="0" cy="0"/>
+        </a:xfrm>
+      </p:grpSpPr>
+      <p:sp>
+        <p:nvSpPr>
+          <p:cNvPr id="81" name="Google Shape;81;ga2e8d2e1f6_0_75:notes"/>
+          <p:cNvSpPr>
+            <a:spLocks noGrp="1" noRot="1" noChangeAspect="1"/>
+          </p:cNvSpPr>
+          <p:nvPr>
+            <p:ph type="sldImg" idx="2"/>
+          </p:nvPr>
+        </p:nvSpPr>
+        <p:spPr>
+          <a:xfrm>
+            <a:off x="381000" y="685800"/>
+            <a:ext cx="6096000" cy="3429000"/>
+          </a:xfrm>
+          <a:custGeom>
+            <a:avLst/>
+            <a:gdLst/>
+            <a:ahLst/>
+            <a:cxnLst/>
+            <a:rect l="l" t="t" r="r" b="b"/>
+            <a:pathLst>
+              <a:path w="120000" h="120000" extrusionOk="0">
+                <a:moveTo>
+                  <a:pt x="0" y="0"/>
+                </a:moveTo>
+                <a:lnTo>
+                  <a:pt x="120000" y="0"/>
+                </a:lnTo>
+                <a:lnTo>
+                  <a:pt x="120000" y="120000"/>
+                </a:lnTo>
+                <a:lnTo>
+                  <a:pt x="0" y="120000"/>
+                </a:lnTo>
+                <a:close/>
+              </a:path>
+            </a:pathLst>
+          </a:custGeom>
+        </p:spPr>
+      </p:sp>
+      <p:sp>
+        <p:nvSpPr>
+          <p:cNvPr id="82" name="Google Shape;82;ga2e8d2e1f6_0_75:notes"/>
+          <p:cNvSpPr txBox="1">
+            <a:spLocks noGrp="1"/>
+          </p:cNvSpPr>
+          <p:nvPr>
+            <p:ph type="body" idx="1"/>
+          </p:nvPr>
+        </p:nvSpPr>
+        <p:spPr>
+          <a:xfrm>
+            <a:off x="685800" y="4343400"/>
+            <a:ext cx="5486400" cy="4114800"/>
+          </a:xfrm>
+          <a:prstGeom prst="rect">
+            <a:avLst/>
+          </a:prstGeom>
+        </p:spPr>
+        <p:txBody>
+          <a:bodyPr spcFirstLastPara="1" wrap="square" lIns="91425" tIns="91425" rIns="91425" bIns="91425" anchor="t" anchorCtr="0">
+            <a:noAutofit/>
+          </a:bodyPr>
+          <a:lstStyle/>
+          <a:p>
+            <a:pPr marL="0" lvl="0" indent="0" algn="l" rtl="0">
+              <a:spcBef>
+                <a:spcPts val="0"/>
+              </a:spcBef>
+              <a:spcAft>
+                <a:spcPts val="0"/>
+              </a:spcAft>
+              <a:buNone/>
+            </a:pPr>
+            <a:endParaRPr/>
+          </a:p>
+        </p:txBody>
+      </p:sp>
+    </p:spTree>
+    <p:extLst>
+      <p:ext uri="{BB962C8B-B14F-4D97-AF65-F5344CB8AC3E}">
+        <p14:creationId xmlns:p14="http://schemas.microsoft.com/office/powerpoint/2010/main" val="3864249418"/>
+      </p:ext>
+    </p:extLst>
+  </p:cSld>
+  <p:clrMapOvr>
+    <a:masterClrMapping/>
+  </p:clrMapOvr>
+</p:notes>
+</file>
+
+<file path=ppt/notesSlides/notesSlide23.xml><?xml version="1.0" encoding="utf-8"?>
+<p:notes xmlns:a="http://schemas.openxmlformats.org/drawingml/2006/main" xmlns:r="http://schemas.openxmlformats.org/officeDocument/2006/relationships" xmlns:p="http://schemas.openxmlformats.org/presentationml/2006/main" showMasterSp="0" showMasterPhAnim="0">
+  <p:cSld>
+    <p:spTree>
+      <p:nvGrpSpPr>
+        <p:cNvPr id="1" name="Shape 80"/>
+        <p:cNvGrpSpPr/>
+        <p:nvPr/>
+      </p:nvGrpSpPr>
+      <p:grpSpPr>
+        <a:xfrm>
+          <a:off x="0" y="0"/>
+          <a:ext cx="0" cy="0"/>
+          <a:chOff x="0" y="0"/>
+          <a:chExt cx="0" cy="0"/>
+        </a:xfrm>
+      </p:grpSpPr>
+      <p:sp>
+        <p:nvSpPr>
+          <p:cNvPr id="81" name="Google Shape;81;ga2e8d2e1f6_0_75:notes"/>
+          <p:cNvSpPr>
+            <a:spLocks noGrp="1" noRot="1" noChangeAspect="1"/>
+          </p:cNvSpPr>
+          <p:nvPr>
+            <p:ph type="sldImg" idx="2"/>
+          </p:nvPr>
+        </p:nvSpPr>
+        <p:spPr>
+          <a:xfrm>
+            <a:off x="381000" y="685800"/>
+            <a:ext cx="6096000" cy="3429000"/>
+          </a:xfrm>
+          <a:custGeom>
+            <a:avLst/>
+            <a:gdLst/>
+            <a:ahLst/>
+            <a:cxnLst/>
+            <a:rect l="l" t="t" r="r" b="b"/>
+            <a:pathLst>
+              <a:path w="120000" h="120000" extrusionOk="0">
+                <a:moveTo>
+                  <a:pt x="0" y="0"/>
+                </a:moveTo>
+                <a:lnTo>
+                  <a:pt x="120000" y="0"/>
+                </a:lnTo>
+                <a:lnTo>
+                  <a:pt x="120000" y="120000"/>
+                </a:lnTo>
+                <a:lnTo>
+                  <a:pt x="0" y="120000"/>
+                </a:lnTo>
+                <a:close/>
+              </a:path>
+            </a:pathLst>
+          </a:custGeom>
+        </p:spPr>
+      </p:sp>
+      <p:sp>
+        <p:nvSpPr>
+          <p:cNvPr id="82" name="Google Shape;82;ga2e8d2e1f6_0_75:notes"/>
+          <p:cNvSpPr txBox="1">
+            <a:spLocks noGrp="1"/>
+          </p:cNvSpPr>
+          <p:nvPr>
+            <p:ph type="body" idx="1"/>
+          </p:nvPr>
+        </p:nvSpPr>
+        <p:spPr>
+          <a:xfrm>
+            <a:off x="685800" y="4343400"/>
+            <a:ext cx="5486400" cy="4114800"/>
+          </a:xfrm>
+          <a:prstGeom prst="rect">
+            <a:avLst/>
+          </a:prstGeom>
+        </p:spPr>
+        <p:txBody>
+          <a:bodyPr spcFirstLastPara="1" wrap="square" lIns="91425" tIns="91425" rIns="91425" bIns="91425" anchor="t" anchorCtr="0">
+            <a:noAutofit/>
+          </a:bodyPr>
+          <a:lstStyle/>
+          <a:p>
+            <a:pPr marL="0" lvl="0" indent="0" algn="l" rtl="0">
+              <a:spcBef>
+                <a:spcPts val="0"/>
+              </a:spcBef>
+              <a:spcAft>
+                <a:spcPts val="0"/>
+              </a:spcAft>
+              <a:buNone/>
+            </a:pPr>
+            <a:endParaRPr/>
+          </a:p>
+        </p:txBody>
+      </p:sp>
+    </p:spTree>
+    <p:extLst>
+      <p:ext uri="{BB962C8B-B14F-4D97-AF65-F5344CB8AC3E}">
+        <p14:creationId xmlns:p14="http://schemas.microsoft.com/office/powerpoint/2010/main" val="6615638"/>
+      </p:ext>
+    </p:extLst>
+  </p:cSld>
+  <p:clrMapOvr>
+    <a:masterClrMapping/>
+  </p:clrMapOvr>
+</p:notes>
+</file>
+
+<file path=ppt/notesSlides/notesSlide24.xml><?xml version="1.0" encoding="utf-8"?>
+<p:notes xmlns:a="http://schemas.openxmlformats.org/drawingml/2006/main" xmlns:r="http://schemas.openxmlformats.org/officeDocument/2006/relationships" xmlns:p="http://schemas.openxmlformats.org/presentationml/2006/main" showMasterSp="0" showMasterPhAnim="0">
+  <p:cSld>
+    <p:spTree>
+      <p:nvGrpSpPr>
+        <p:cNvPr id="1" name="Shape 80"/>
+        <p:cNvGrpSpPr/>
+        <p:nvPr/>
+      </p:nvGrpSpPr>
+      <p:grpSpPr>
+        <a:xfrm>
+          <a:off x="0" y="0"/>
+          <a:ext cx="0" cy="0"/>
+          <a:chOff x="0" y="0"/>
+          <a:chExt cx="0" cy="0"/>
+        </a:xfrm>
+      </p:grpSpPr>
+      <p:sp>
+        <p:nvSpPr>
+          <p:cNvPr id="81" name="Google Shape;81;ga2e8d2e1f6_0_75:notes"/>
+          <p:cNvSpPr>
+            <a:spLocks noGrp="1" noRot="1" noChangeAspect="1"/>
+          </p:cNvSpPr>
+          <p:nvPr>
+            <p:ph type="sldImg" idx="2"/>
+          </p:nvPr>
+        </p:nvSpPr>
+        <p:spPr>
+          <a:xfrm>
+            <a:off x="381000" y="685800"/>
+            <a:ext cx="6096000" cy="3429000"/>
+          </a:xfrm>
+          <a:custGeom>
+            <a:avLst/>
+            <a:gdLst/>
+            <a:ahLst/>
+            <a:cxnLst/>
+            <a:rect l="l" t="t" r="r" b="b"/>
+            <a:pathLst>
+              <a:path w="120000" h="120000" extrusionOk="0">
+                <a:moveTo>
+                  <a:pt x="0" y="0"/>
+                </a:moveTo>
+                <a:lnTo>
+                  <a:pt x="120000" y="0"/>
+                </a:lnTo>
+                <a:lnTo>
+                  <a:pt x="120000" y="120000"/>
+                </a:lnTo>
+                <a:lnTo>
+                  <a:pt x="0" y="120000"/>
+                </a:lnTo>
+                <a:close/>
+              </a:path>
+            </a:pathLst>
+          </a:custGeom>
+        </p:spPr>
+      </p:sp>
+      <p:sp>
+        <p:nvSpPr>
+          <p:cNvPr id="82" name="Google Shape;82;ga2e8d2e1f6_0_75:notes"/>
+          <p:cNvSpPr txBox="1">
+            <a:spLocks noGrp="1"/>
+          </p:cNvSpPr>
+          <p:nvPr>
+            <p:ph type="body" idx="1"/>
+          </p:nvPr>
+        </p:nvSpPr>
+        <p:spPr>
+          <a:xfrm>
+            <a:off x="685800" y="4343400"/>
+            <a:ext cx="5486400" cy="4114800"/>
+          </a:xfrm>
+          <a:prstGeom prst="rect">
+            <a:avLst/>
+          </a:prstGeom>
+        </p:spPr>
+        <p:txBody>
+          <a:bodyPr spcFirstLastPara="1" wrap="square" lIns="91425" tIns="91425" rIns="91425" bIns="91425" anchor="t" anchorCtr="0">
+            <a:noAutofit/>
+          </a:bodyPr>
+          <a:lstStyle/>
+          <a:p>
+            <a:pPr marL="0" lvl="0" indent="0" algn="l" rtl="0">
+              <a:spcBef>
+                <a:spcPts val="0"/>
+              </a:spcBef>
+              <a:spcAft>
+                <a:spcPts val="0"/>
+              </a:spcAft>
+              <a:buNone/>
+            </a:pPr>
+            <a:endParaRPr/>
+          </a:p>
+        </p:txBody>
+      </p:sp>
+    </p:spTree>
+    <p:extLst>
+      <p:ext uri="{BB962C8B-B14F-4D97-AF65-F5344CB8AC3E}">
+        <p14:creationId xmlns:p14="http://schemas.microsoft.com/office/powerpoint/2010/main" val="3198619344"/>
+      </p:ext>
+    </p:extLst>
   </p:cSld>
   <p:clrMapOvr>
     <a:masterClrMapping/>
@@ -7702,6 +8252,69 @@
                   <a:srgbClr val="274E13"/>
                 </a:solidFill>
               </a:rPr>
+              <a:t>Link to github Repository:</a:t>
+            </a:r>
+          </a:p>
+          <a:p>
+            <a:pPr marL="0" indent="0">
+              <a:lnSpc>
+                <a:spcPct val="100000"/>
+              </a:lnSpc>
+              <a:buClr>
+                <a:schemeClr val="dk1"/>
+              </a:buClr>
+              <a:buSzPts val="1100"/>
+              <a:buNone/>
+            </a:pPr>
+            <a:r>
+              <a:rPr lang="en-NZ" sz="1400" b="1" dirty="0">
+                <a:solidFill>
+                  <a:srgbClr val="274E13"/>
+                </a:solidFill>
+                <a:hlinkClick r:id="rId3"/>
+              </a:rPr>
+              <a:t>https://github.com/shannon-nz/python-games</a:t>
+            </a:r>
+            <a:endParaRPr lang="en-NZ" sz="1400" b="1" dirty="0">
+              <a:solidFill>
+                <a:srgbClr val="274E13"/>
+              </a:solidFill>
+            </a:endParaRPr>
+          </a:p>
+          <a:p>
+            <a:pPr marL="0" indent="0">
+              <a:lnSpc>
+                <a:spcPct val="100000"/>
+              </a:lnSpc>
+              <a:buClr>
+                <a:schemeClr val="dk1"/>
+              </a:buClr>
+              <a:buSzPts val="1100"/>
+              <a:buNone/>
+            </a:pPr>
+            <a:endParaRPr lang="en" sz="1400" b="1" dirty="0">
+              <a:solidFill>
+                <a:srgbClr val="274E13"/>
+              </a:solidFill>
+            </a:endParaRPr>
+          </a:p>
+          <a:p>
+            <a:pPr marL="0" indent="0">
+              <a:lnSpc>
+                <a:spcPct val="100000"/>
+              </a:lnSpc>
+              <a:buClr>
+                <a:schemeClr val="dk1"/>
+              </a:buClr>
+              <a:buSzPts val="1100"/>
+              <a:buNone/>
+            </a:pPr>
+            <a:r>
+              <a:rPr lang="en" sz="2000" b="1" dirty="0">
+                <a:solidFill>
+                  <a:srgbClr val="274E13"/>
+                </a:solidFill>
+              </a:rPr>
               <a:t>Links to trello board / project management tools:</a:t>
             </a:r>
             <a:br>
@@ -7716,7 +8329,7 @@
                 <a:solidFill>
                   <a:srgbClr val="274E13"/>
                 </a:solidFill>
-                <a:hlinkClick r:id="rId3"/>
+                <a:hlinkClick r:id="rId4"/>
               </a:rPr>
               <a:t>https://trello.com/invite/b/BgZrU1WW/b9c75da7ce5d0ced0523cfc8278e5f93/lucky-unicorn</a:t>
             </a:r>
@@ -10504,54 +11117,208 @@
             </a:pPr>
             <a:r>
               <a:rPr lang="en" b="1" dirty="0"/>
-              <a:t>Trialling Slide</a:t>
+              <a:t>Completed Game – Test Plan (part 1)</a:t>
             </a:r>
             <a:endParaRPr b="1" dirty="0"/>
           </a:p>
         </p:txBody>
       </p:sp>
-      <p:sp>
-        <p:nvSpPr>
-          <p:cNvPr id="85" name="Google Shape;85;p18"/>
-          <p:cNvSpPr txBox="1">
-            <a:spLocks noGrp="1"/>
-          </p:cNvSpPr>
+      <p:graphicFrame>
+        <p:nvGraphicFramePr>
+          <p:cNvPr id="2" name="Table 2">
+            <a:extLst>
+              <a:ext uri="{FF2B5EF4-FFF2-40B4-BE49-F238E27FC236}">
+                <a16:creationId xmlns:a16="http://schemas.microsoft.com/office/drawing/2014/main" id="{8AB45219-9BD4-47AE-85D6-8DCF8779BA34}"/>
+              </a:ext>
+            </a:extLst>
+          </p:cNvPr>
+          <p:cNvGraphicFramePr>
+            <a:graphicFrameLocks noGrp="1"/>
+          </p:cNvGraphicFramePr>
           <p:nvPr>
-            <p:ph type="body" idx="1"/>
+            <p:extLst>
+              <p:ext uri="{D42A27DB-BD31-4B8C-83A1-F6EECF244321}">
+                <p14:modId xmlns:p14="http://schemas.microsoft.com/office/powerpoint/2010/main" val="2498923454"/>
+              </p:ext>
+            </p:extLst>
           </p:nvPr>
-        </p:nvSpPr>
-        <p:spPr>
-          <a:xfrm>
-            <a:off x="311700" y="1152475"/>
-            <a:ext cx="8520600" cy="3416400"/>
-          </a:xfrm>
-          <a:prstGeom prst="rect">
-            <a:avLst/>
-          </a:prstGeom>
-        </p:spPr>
-        <p:txBody>
-          <a:bodyPr spcFirstLastPara="1" wrap="square" lIns="91425" tIns="91425" rIns="91425" bIns="91425" anchor="t" anchorCtr="0">
-            <a:noAutofit/>
-          </a:bodyPr>
-          <a:lstStyle/>
-          <a:p>
-            <a:pPr marL="0" lvl="0" indent="0" algn="l" rtl="0">
-              <a:spcBef>
-                <a:spcPts val="0"/>
-              </a:spcBef>
-              <a:spcAft>
-                <a:spcPts val="1600"/>
-              </a:spcAft>
-              <a:buNone/>
-            </a:pPr>
-            <a:r>
-              <a:rPr lang="en" i="1"/>
-              <a:t>Copy this slide and edit the text to provide evidence of trialling components.  </a:t>
-            </a:r>
-            <a:endParaRPr i="1"/>
-          </a:p>
-        </p:txBody>
-      </p:sp>
+        </p:nvGraphicFramePr>
+        <p:xfrm>
+          <a:off x="443948" y="1255367"/>
+          <a:ext cx="6096000" cy="3235960"/>
+        </p:xfrm>
+        <a:graphic>
+          <a:graphicData uri="http://schemas.openxmlformats.org/drawingml/2006/table">
+            <a:tbl>
+              <a:tblPr firstRow="1" bandRow="1">
+                <a:tableStyleId>{5DC7D775-D85B-40C0-ACD5-9A98D17F5DE4}</a:tableStyleId>
+              </a:tblPr>
+              <a:tblGrid>
+                <a:gridCol w="3048000">
+                  <a:extLst>
+                    <a:ext uri="{9D8B030D-6E8A-4147-A177-3AD203B41FA5}">
+                      <a16:colId xmlns:a16="http://schemas.microsoft.com/office/drawing/2014/main" val="3499504866"/>
+                    </a:ext>
+                  </a:extLst>
+                </a:gridCol>
+                <a:gridCol w="3048000">
+                  <a:extLst>
+                    <a:ext uri="{9D8B030D-6E8A-4147-A177-3AD203B41FA5}">
+                      <a16:colId xmlns:a16="http://schemas.microsoft.com/office/drawing/2014/main" val="3882733627"/>
+                    </a:ext>
+                  </a:extLst>
+                </a:gridCol>
+              </a:tblGrid>
+              <a:tr h="370840">
+                <a:tc>
+                  <a:txBody>
+                    <a:bodyPr/>
+                    <a:lstStyle/>
+                    <a:p>
+                      <a:r>
+                        <a:rPr lang="en-NZ" dirty="0"/>
+                        <a:t>Test Case</a:t>
+                      </a:r>
+                    </a:p>
+                  </a:txBody>
+                  <a:tcPr/>
+                </a:tc>
+                <a:tc>
+                  <a:txBody>
+                    <a:bodyPr/>
+                    <a:lstStyle/>
+                    <a:p>
+                      <a:r>
+                        <a:rPr lang="en-NZ" dirty="0"/>
+                        <a:t>Expected</a:t>
+                      </a:r>
+                    </a:p>
+                  </a:txBody>
+                  <a:tcPr/>
+                </a:tc>
+                <a:extLst>
+                  <a:ext uri="{0D108BD9-81ED-4DB2-BD59-A6C34878D82A}">
+                    <a16:rowId xmlns:a16="http://schemas.microsoft.com/office/drawing/2014/main" val="1983161952"/>
+                  </a:ext>
+                </a:extLst>
+              </a:tr>
+              <a:tr h="370840">
+                <a:tc>
+                  <a:txBody>
+                    <a:bodyPr/>
+                    <a:lstStyle/>
+                    <a:p>
+                      <a:r>
+                        <a:rPr lang="en-NZ" dirty="0"/>
+                        <a:t>Run Program</a:t>
+                      </a:r>
+                    </a:p>
+                    <a:p>
+                      <a:r>
+                        <a:rPr lang="en-NZ" dirty="0"/>
+                        <a:t>Played Before? Maybe</a:t>
+                      </a:r>
+                    </a:p>
+                    <a:p>
+                      <a:r>
+                        <a:rPr lang="en-NZ" dirty="0"/>
+                        <a:t>Instructions? Yes</a:t>
+                      </a:r>
+                    </a:p>
+                    <a:p>
+                      <a:endParaRPr lang="en-NZ" dirty="0"/>
+                    </a:p>
+                    <a:p>
+                      <a:r>
+                        <a:rPr lang="en-NZ" dirty="0"/>
+                        <a:t>Amount? </a:t>
+                      </a:r>
+                      <a:r>
+                        <a:rPr lang="en-NZ" dirty="0" err="1"/>
+                        <a:t>Xlii</a:t>
+                      </a:r>
+                      <a:r>
+                        <a:rPr lang="en-NZ" dirty="0"/>
+                        <a:t>, 0.5, 0, 11, 1</a:t>
+                      </a:r>
+                    </a:p>
+                    <a:p>
+                      <a:r>
+                        <a:rPr lang="en-NZ" dirty="0"/>
+                        <a:t>Try above amounts to confirm number checker called correctly</a:t>
+                      </a:r>
+                    </a:p>
+                    <a:p>
+                      <a:endParaRPr lang="en-NZ" dirty="0"/>
+                    </a:p>
+                    <a:p>
+                      <a:r>
+                        <a:rPr lang="en-NZ" dirty="0"/>
+                        <a:t>Play until money runs out</a:t>
+                      </a:r>
+                    </a:p>
+                  </a:txBody>
+                  <a:tcPr/>
+                </a:tc>
+                <a:tc>
+                  <a:txBody>
+                    <a:bodyPr/>
+                    <a:lstStyle/>
+                    <a:p>
+                      <a:r>
+                        <a:rPr lang="en-NZ" dirty="0"/>
+                        <a:t>Welcome message displays</a:t>
+                      </a:r>
+                    </a:p>
+                    <a:p>
+                      <a:endParaRPr lang="en-NZ" dirty="0"/>
+                    </a:p>
+                    <a:p>
+                      <a:r>
+                        <a:rPr lang="en-NZ" dirty="0"/>
+                        <a:t>Error – please type y/n</a:t>
+                      </a:r>
+                    </a:p>
+                    <a:p>
+                      <a:endParaRPr lang="en-NZ" dirty="0"/>
+                    </a:p>
+                    <a:p>
+                      <a:r>
+                        <a:rPr lang="en-NZ" dirty="0"/>
+                        <a:t>Error for xlii, 0.5, 0, and 11</a:t>
+                      </a:r>
+                    </a:p>
+                    <a:p>
+                      <a:endParaRPr lang="en-NZ" dirty="0"/>
+                    </a:p>
+                    <a:p>
+                      <a:r>
+                        <a:rPr lang="en-NZ" dirty="0"/>
+                        <a:t>Random Token generated and score updated (most likely outcome is a single round game unless we get a unicorn)</a:t>
+                      </a:r>
+                    </a:p>
+                    <a:p>
+                      <a:endParaRPr lang="en-NZ" dirty="0"/>
+                    </a:p>
+                    <a:p>
+                      <a:r>
+                        <a:rPr lang="en-NZ" dirty="0"/>
+                        <a:t>Stats show starting amount of 1 and balance of either $0.50 or $0.00</a:t>
+                      </a:r>
+                    </a:p>
+                  </a:txBody>
+                  <a:tcPr/>
+                </a:tc>
+                <a:extLst>
+                  <a:ext uri="{0D108BD9-81ED-4DB2-BD59-A6C34878D82A}">
+                    <a16:rowId xmlns:a16="http://schemas.microsoft.com/office/drawing/2014/main" val="4196382038"/>
+                  </a:ext>
+                </a:extLst>
+              </a:tr>
+            </a:tbl>
+          </a:graphicData>
+        </a:graphic>
+      </p:graphicFrame>
     </p:spTree>
     <p:extLst>
       <p:ext uri="{BB962C8B-B14F-4D97-AF65-F5344CB8AC3E}">
@@ -10618,58 +11385,197 @@
             </a:pPr>
             <a:r>
               <a:rPr lang="en" b="1" dirty="0"/>
-              <a:t>Trialling Slide</a:t>
+              <a:t>Completed Game – Test Plan (part 2)</a:t>
             </a:r>
             <a:endParaRPr b="1" dirty="0"/>
           </a:p>
         </p:txBody>
       </p:sp>
-      <p:sp>
-        <p:nvSpPr>
-          <p:cNvPr id="85" name="Google Shape;85;p18"/>
-          <p:cNvSpPr txBox="1">
-            <a:spLocks noGrp="1"/>
-          </p:cNvSpPr>
+      <p:graphicFrame>
+        <p:nvGraphicFramePr>
+          <p:cNvPr id="2" name="Table 2">
+            <a:extLst>
+              <a:ext uri="{FF2B5EF4-FFF2-40B4-BE49-F238E27FC236}">
+                <a16:creationId xmlns:a16="http://schemas.microsoft.com/office/drawing/2014/main" id="{8AB45219-9BD4-47AE-85D6-8DCF8779BA34}"/>
+              </a:ext>
+            </a:extLst>
+          </p:cNvPr>
+          <p:cNvGraphicFramePr>
+            <a:graphicFrameLocks noGrp="1"/>
+          </p:cNvGraphicFramePr>
           <p:nvPr>
-            <p:ph type="body" idx="1"/>
+            <p:extLst>
+              <p:ext uri="{D42A27DB-BD31-4B8C-83A1-F6EECF244321}">
+                <p14:modId xmlns:p14="http://schemas.microsoft.com/office/powerpoint/2010/main" val="3184602450"/>
+              </p:ext>
+            </p:extLst>
           </p:nvPr>
-        </p:nvSpPr>
-        <p:spPr>
-          <a:xfrm>
-            <a:off x="311700" y="1152475"/>
-            <a:ext cx="8520600" cy="3416400"/>
-          </a:xfrm>
-          <a:prstGeom prst="rect">
-            <a:avLst/>
-          </a:prstGeom>
-        </p:spPr>
-        <p:txBody>
-          <a:bodyPr spcFirstLastPara="1" wrap="square" lIns="91425" tIns="91425" rIns="91425" bIns="91425" anchor="t" anchorCtr="0">
-            <a:noAutofit/>
-          </a:bodyPr>
-          <a:lstStyle/>
-          <a:p>
-            <a:pPr marL="0" lvl="0" indent="0" algn="l" rtl="0">
-              <a:spcBef>
-                <a:spcPts val="0"/>
-              </a:spcBef>
-              <a:spcAft>
-                <a:spcPts val="1600"/>
-              </a:spcAft>
-              <a:buNone/>
-            </a:pPr>
-            <a:r>
-              <a:rPr lang="en" i="1"/>
-              <a:t>Copy this slide and edit the text to provide evidence of trialling components.  </a:t>
-            </a:r>
-            <a:endParaRPr i="1"/>
-          </a:p>
-        </p:txBody>
-      </p:sp>
+        </p:nvGraphicFramePr>
+        <p:xfrm>
+          <a:off x="443947" y="1255367"/>
+          <a:ext cx="8282608" cy="3022600"/>
+        </p:xfrm>
+        <a:graphic>
+          <a:graphicData uri="http://schemas.openxmlformats.org/drawingml/2006/table">
+            <a:tbl>
+              <a:tblPr firstRow="1" bandRow="1">
+                <a:tableStyleId>{5DC7D775-D85B-40C0-ACD5-9A98D17F5DE4}</a:tableStyleId>
+              </a:tblPr>
+              <a:tblGrid>
+                <a:gridCol w="4141304">
+                  <a:extLst>
+                    <a:ext uri="{9D8B030D-6E8A-4147-A177-3AD203B41FA5}">
+                      <a16:colId xmlns:a16="http://schemas.microsoft.com/office/drawing/2014/main" val="3499504866"/>
+                    </a:ext>
+                  </a:extLst>
+                </a:gridCol>
+                <a:gridCol w="4141304">
+                  <a:extLst>
+                    <a:ext uri="{9D8B030D-6E8A-4147-A177-3AD203B41FA5}">
+                      <a16:colId xmlns:a16="http://schemas.microsoft.com/office/drawing/2014/main" val="3882733627"/>
+                    </a:ext>
+                  </a:extLst>
+                </a:gridCol>
+              </a:tblGrid>
+              <a:tr h="370840">
+                <a:tc>
+                  <a:txBody>
+                    <a:bodyPr/>
+                    <a:lstStyle/>
+                    <a:p>
+                      <a:r>
+                        <a:rPr lang="en-NZ" dirty="0"/>
+                        <a:t>Test Case</a:t>
+                      </a:r>
+                    </a:p>
+                  </a:txBody>
+                  <a:tcPr/>
+                </a:tc>
+                <a:tc>
+                  <a:txBody>
+                    <a:bodyPr/>
+                    <a:lstStyle/>
+                    <a:p>
+                      <a:r>
+                        <a:rPr lang="en-NZ" dirty="0"/>
+                        <a:t>Expected</a:t>
+                      </a:r>
+                    </a:p>
+                  </a:txBody>
+                  <a:tcPr/>
+                </a:tc>
+                <a:extLst>
+                  <a:ext uri="{0D108BD9-81ED-4DB2-BD59-A6C34878D82A}">
+                    <a16:rowId xmlns:a16="http://schemas.microsoft.com/office/drawing/2014/main" val="1983161952"/>
+                  </a:ext>
+                </a:extLst>
+              </a:tr>
+              <a:tr h="370840">
+                <a:tc>
+                  <a:txBody>
+                    <a:bodyPr/>
+                    <a:lstStyle/>
+                    <a:p>
+                      <a:r>
+                        <a:rPr lang="en-NZ" dirty="0"/>
+                        <a:t>Run Program</a:t>
+                      </a:r>
+                    </a:p>
+                    <a:p>
+                      <a:r>
+                        <a:rPr lang="en-NZ" dirty="0"/>
+                        <a:t>Instructions? n</a:t>
+                      </a:r>
+                    </a:p>
+                    <a:p>
+                      <a:endParaRPr lang="en-NZ" dirty="0"/>
+                    </a:p>
+                    <a:p>
+                      <a:r>
+                        <a:rPr lang="en-NZ" dirty="0"/>
+                        <a:t>Amount? 10</a:t>
+                      </a:r>
+                    </a:p>
+                    <a:p>
+                      <a:endParaRPr lang="en-NZ" dirty="0"/>
+                    </a:p>
+                    <a:p>
+                      <a:r>
+                        <a:rPr lang="en-NZ" dirty="0"/>
+                        <a:t>Play </a:t>
+                      </a:r>
+                      <a:r>
+                        <a:rPr lang="en-NZ" dirty="0" err="1"/>
+                        <a:t>untilbalance</a:t>
+                      </a:r>
+                      <a:r>
+                        <a:rPr lang="en-NZ" dirty="0"/>
+                        <a:t> is $3.00 / $2.50, then press ‘xxx’ to quit</a:t>
+                      </a:r>
+                    </a:p>
+                  </a:txBody>
+                  <a:tcPr/>
+                </a:tc>
+                <a:tc>
+                  <a:txBody>
+                    <a:bodyPr/>
+                    <a:lstStyle/>
+                    <a:p>
+                      <a:r>
+                        <a:rPr lang="en-NZ" dirty="0"/>
+                        <a:t>Welcome message displays</a:t>
+                      </a:r>
+                    </a:p>
+                    <a:p>
+                      <a:endParaRPr lang="en-NZ" dirty="0"/>
+                    </a:p>
+                    <a:p>
+                      <a:r>
+                        <a:rPr lang="en-NZ" dirty="0"/>
+                        <a:t>Instructions are displayed</a:t>
+                      </a:r>
+                    </a:p>
+                    <a:p>
+                      <a:endParaRPr lang="en-NZ" dirty="0"/>
+                    </a:p>
+                    <a:p>
+                      <a:r>
+                        <a:rPr lang="en-NZ" dirty="0"/>
+                        <a:t>Random Token generated each time user presses &lt;enter&gt; and balance is updated (lose $1 for donkeys, lose 50c for horse / zebra and gain $4.00 for unicorns).</a:t>
+                      </a:r>
+                    </a:p>
+                    <a:p>
+                      <a:r>
+                        <a:rPr lang="en-NZ" dirty="0"/>
+                        <a:t>Balance should decrease over time</a:t>
+                      </a:r>
+                    </a:p>
+                    <a:p>
+                      <a:endParaRPr lang="en-NZ" dirty="0"/>
+                    </a:p>
+                    <a:p>
+                      <a:r>
+                        <a:rPr lang="en-NZ" dirty="0"/>
+                        <a:t>Stats show starting amount of $10 and final balance of either $2.50 or $3.00</a:t>
+                      </a:r>
+                    </a:p>
+                  </a:txBody>
+                  <a:tcPr/>
+                </a:tc>
+                <a:extLst>
+                  <a:ext uri="{0D108BD9-81ED-4DB2-BD59-A6C34878D82A}">
+                    <a16:rowId xmlns:a16="http://schemas.microsoft.com/office/drawing/2014/main" val="4196382038"/>
+                  </a:ext>
+                </a:extLst>
+              </a:tr>
+            </a:tbl>
+          </a:graphicData>
+        </a:graphic>
+      </p:graphicFrame>
     </p:spTree>
     <p:extLst>
       <p:ext uri="{BB962C8B-B14F-4D97-AF65-F5344CB8AC3E}">
-        <p14:creationId xmlns:p14="http://schemas.microsoft.com/office/powerpoint/2010/main" val="87668220"/>
+        <p14:creationId xmlns:p14="http://schemas.microsoft.com/office/powerpoint/2010/main" val="2455665964"/>
       </p:ext>
     </p:extLst>
   </p:cSld>
@@ -10732,6 +11638,659 @@
             </a:pPr>
             <a:r>
               <a:rPr lang="en" b="1" dirty="0"/>
+              <a:t>Completed Game – Test Plan (part 1)</a:t>
+            </a:r>
+            <a:endParaRPr b="1" dirty="0"/>
+          </a:p>
+        </p:txBody>
+      </p:sp>
+      <p:pic>
+        <p:nvPicPr>
+          <p:cNvPr id="4" name="Picture 3">
+            <a:extLst>
+              <a:ext uri="{FF2B5EF4-FFF2-40B4-BE49-F238E27FC236}">
+                <a16:creationId xmlns:a16="http://schemas.microsoft.com/office/drawing/2014/main" id="{ACD70526-7328-49EC-9F7A-6326E671A8D6}"/>
+              </a:ext>
+            </a:extLst>
+          </p:cNvPr>
+          <p:cNvPicPr>
+            <a:picLocks noChangeAspect="1"/>
+          </p:cNvPicPr>
+          <p:nvPr/>
+        </p:nvPicPr>
+        <p:blipFill>
+          <a:blip r:embed="rId3"/>
+          <a:stretch>
+            <a:fillRect/>
+          </a:stretch>
+        </p:blipFill>
+        <p:spPr>
+          <a:xfrm>
+            <a:off x="205681" y="1342721"/>
+            <a:ext cx="4565404" cy="3011429"/>
+          </a:xfrm>
+          <a:prstGeom prst="rect">
+            <a:avLst/>
+          </a:prstGeom>
+        </p:spPr>
+      </p:pic>
+      <p:pic>
+        <p:nvPicPr>
+          <p:cNvPr id="5" name="Picture 4">
+            <a:extLst>
+              <a:ext uri="{FF2B5EF4-FFF2-40B4-BE49-F238E27FC236}">
+                <a16:creationId xmlns:a16="http://schemas.microsoft.com/office/drawing/2014/main" id="{7CF615D4-6F30-4893-94E9-A092E1AD8FA7}"/>
+              </a:ext>
+            </a:extLst>
+          </p:cNvPr>
+          <p:cNvPicPr>
+            <a:picLocks noChangeAspect="1"/>
+          </p:cNvPicPr>
+          <p:nvPr/>
+        </p:nvPicPr>
+        <p:blipFill>
+          <a:blip r:embed="rId4"/>
+          <a:stretch>
+            <a:fillRect/>
+          </a:stretch>
+        </p:blipFill>
+        <p:spPr>
+          <a:xfrm>
+            <a:off x="4870175" y="1342721"/>
+            <a:ext cx="3962126" cy="3081654"/>
+          </a:xfrm>
+          <a:prstGeom prst="rect">
+            <a:avLst/>
+          </a:prstGeom>
+        </p:spPr>
+      </p:pic>
+    </p:spTree>
+    <p:extLst>
+      <p:ext uri="{BB962C8B-B14F-4D97-AF65-F5344CB8AC3E}">
+        <p14:creationId xmlns:p14="http://schemas.microsoft.com/office/powerpoint/2010/main" val="3904289725"/>
+      </p:ext>
+    </p:extLst>
+  </p:cSld>
+  <p:clrMapOvr>
+    <a:masterClrMapping/>
+  </p:clrMapOvr>
+</p:sld>
+</file>
+
+<file path=ppt/slides/slide24.xml><?xml version="1.0" encoding="utf-8"?>
+<p:sld xmlns:a="http://schemas.openxmlformats.org/drawingml/2006/main" xmlns:r="http://schemas.openxmlformats.org/officeDocument/2006/relationships" xmlns:p="http://schemas.openxmlformats.org/presentationml/2006/main">
+  <p:cSld>
+    <p:spTree>
+      <p:nvGrpSpPr>
+        <p:cNvPr id="1" name="Shape 83"/>
+        <p:cNvGrpSpPr/>
+        <p:nvPr/>
+      </p:nvGrpSpPr>
+      <p:grpSpPr>
+        <a:xfrm>
+          <a:off x="0" y="0"/>
+          <a:ext cx="0" cy="0"/>
+          <a:chOff x="0" y="0"/>
+          <a:chExt cx="0" cy="0"/>
+        </a:xfrm>
+      </p:grpSpPr>
+      <p:sp>
+        <p:nvSpPr>
+          <p:cNvPr id="84" name="Google Shape;84;p18"/>
+          <p:cNvSpPr txBox="1">
+            <a:spLocks noGrp="1"/>
+          </p:cNvSpPr>
+          <p:nvPr>
+            <p:ph type="title"/>
+          </p:nvPr>
+        </p:nvSpPr>
+        <p:spPr>
+          <a:xfrm>
+            <a:off x="311700" y="445025"/>
+            <a:ext cx="8520600" cy="572700"/>
+          </a:xfrm>
+          <a:prstGeom prst="rect">
+            <a:avLst/>
+          </a:prstGeom>
+        </p:spPr>
+        <p:txBody>
+          <a:bodyPr spcFirstLastPara="1" wrap="square" lIns="91425" tIns="91425" rIns="91425" bIns="91425" anchor="t" anchorCtr="0">
+            <a:noAutofit/>
+          </a:bodyPr>
+          <a:lstStyle/>
+          <a:p>
+            <a:pPr marL="0" lvl="0" indent="0" algn="l" rtl="0">
+              <a:spcBef>
+                <a:spcPts val="0"/>
+              </a:spcBef>
+              <a:spcAft>
+                <a:spcPts val="0"/>
+              </a:spcAft>
+              <a:buNone/>
+            </a:pPr>
+            <a:r>
+              <a:rPr lang="en" b="1" dirty="0"/>
+              <a:t>Completed Game – Testing (worked as expected)</a:t>
+            </a:r>
+            <a:endParaRPr b="1" dirty="0"/>
+          </a:p>
+        </p:txBody>
+      </p:sp>
+      <p:pic>
+        <p:nvPicPr>
+          <p:cNvPr id="2" name="Picture 1">
+            <a:extLst>
+              <a:ext uri="{FF2B5EF4-FFF2-40B4-BE49-F238E27FC236}">
+                <a16:creationId xmlns:a16="http://schemas.microsoft.com/office/drawing/2014/main" id="{CDFA999B-66B3-4939-B5B0-F8BC84D14D57}"/>
+              </a:ext>
+            </a:extLst>
+          </p:cNvPr>
+          <p:cNvPicPr>
+            <a:picLocks noChangeAspect="1"/>
+          </p:cNvPicPr>
+          <p:nvPr/>
+        </p:nvPicPr>
+        <p:blipFill>
+          <a:blip r:embed="rId3"/>
+          <a:stretch>
+            <a:fillRect/>
+          </a:stretch>
+        </p:blipFill>
+        <p:spPr>
+          <a:xfrm>
+            <a:off x="1061591" y="1166192"/>
+            <a:ext cx="2986948" cy="3671183"/>
+          </a:xfrm>
+          <a:prstGeom prst="rect">
+            <a:avLst/>
+          </a:prstGeom>
+        </p:spPr>
+      </p:pic>
+      <p:pic>
+        <p:nvPicPr>
+          <p:cNvPr id="5" name="Picture 4">
+            <a:extLst>
+              <a:ext uri="{FF2B5EF4-FFF2-40B4-BE49-F238E27FC236}">
+                <a16:creationId xmlns:a16="http://schemas.microsoft.com/office/drawing/2014/main" id="{B8142DBF-DB4A-439F-A776-37025704EE1C}"/>
+              </a:ext>
+            </a:extLst>
+          </p:cNvPr>
+          <p:cNvPicPr>
+            <a:picLocks noChangeAspect="1"/>
+          </p:cNvPicPr>
+          <p:nvPr/>
+        </p:nvPicPr>
+        <p:blipFill>
+          <a:blip r:embed="rId4"/>
+          <a:stretch>
+            <a:fillRect/>
+          </a:stretch>
+        </p:blipFill>
+        <p:spPr>
+          <a:xfrm>
+            <a:off x="4474430" y="1166192"/>
+            <a:ext cx="3986113" cy="3671183"/>
+          </a:xfrm>
+          <a:prstGeom prst="rect">
+            <a:avLst/>
+          </a:prstGeom>
+        </p:spPr>
+      </p:pic>
+    </p:spTree>
+    <p:extLst>
+      <p:ext uri="{BB962C8B-B14F-4D97-AF65-F5344CB8AC3E}">
+        <p14:creationId xmlns:p14="http://schemas.microsoft.com/office/powerpoint/2010/main" val="87668220"/>
+      </p:ext>
+    </p:extLst>
+  </p:cSld>
+  <p:clrMapOvr>
+    <a:masterClrMapping/>
+  </p:clrMapOvr>
+</p:sld>
+</file>
+
+<file path=ppt/slides/slide25.xml><?xml version="1.0" encoding="utf-8"?>
+<p:sld xmlns:a="http://schemas.openxmlformats.org/drawingml/2006/main" xmlns:r="http://schemas.openxmlformats.org/officeDocument/2006/relationships" xmlns:p="http://schemas.openxmlformats.org/presentationml/2006/main">
+  <p:cSld>
+    <p:spTree>
+      <p:nvGrpSpPr>
+        <p:cNvPr id="1" name="Shape 83"/>
+        <p:cNvGrpSpPr/>
+        <p:nvPr/>
+      </p:nvGrpSpPr>
+      <p:grpSpPr>
+        <a:xfrm>
+          <a:off x="0" y="0"/>
+          <a:ext cx="0" cy="0"/>
+          <a:chOff x="0" y="0"/>
+          <a:chExt cx="0" cy="0"/>
+        </a:xfrm>
+      </p:grpSpPr>
+      <p:sp>
+        <p:nvSpPr>
+          <p:cNvPr id="84" name="Google Shape;84;p18"/>
+          <p:cNvSpPr txBox="1">
+            <a:spLocks noGrp="1"/>
+          </p:cNvSpPr>
+          <p:nvPr>
+            <p:ph type="title"/>
+          </p:nvPr>
+        </p:nvSpPr>
+        <p:spPr>
+          <a:xfrm>
+            <a:off x="311700" y="445025"/>
+            <a:ext cx="8520600" cy="572700"/>
+          </a:xfrm>
+          <a:prstGeom prst="rect">
+            <a:avLst/>
+          </a:prstGeom>
+        </p:spPr>
+        <p:txBody>
+          <a:bodyPr spcFirstLastPara="1" wrap="square" lIns="91425" tIns="91425" rIns="91425" bIns="91425" anchor="t" anchorCtr="0">
+            <a:noAutofit/>
+          </a:bodyPr>
+          <a:lstStyle/>
+          <a:p>
+            <a:pPr marL="0" lvl="0" indent="0" algn="l" rtl="0">
+              <a:spcBef>
+                <a:spcPts val="0"/>
+              </a:spcBef>
+              <a:spcAft>
+                <a:spcPts val="0"/>
+              </a:spcAft>
+              <a:buNone/>
+            </a:pPr>
+            <a:r>
+              <a:rPr lang="en" b="1" dirty="0"/>
+              <a:t>Version Control Evidence</a:t>
+            </a:r>
+            <a:endParaRPr b="1" dirty="0"/>
+          </a:p>
+        </p:txBody>
+      </p:sp>
+      <p:pic>
+        <p:nvPicPr>
+          <p:cNvPr id="4" name="Picture 3">
+            <a:extLst>
+              <a:ext uri="{FF2B5EF4-FFF2-40B4-BE49-F238E27FC236}">
+                <a16:creationId xmlns:a16="http://schemas.microsoft.com/office/drawing/2014/main" id="{DBD7DD69-27D5-4267-9760-8F08E44C7220}"/>
+              </a:ext>
+            </a:extLst>
+          </p:cNvPr>
+          <p:cNvPicPr>
+            <a:picLocks noChangeAspect="1"/>
+          </p:cNvPicPr>
+          <p:nvPr/>
+        </p:nvPicPr>
+        <p:blipFill>
+          <a:blip r:embed="rId3"/>
+          <a:stretch>
+            <a:fillRect/>
+          </a:stretch>
+        </p:blipFill>
+        <p:spPr>
+          <a:xfrm>
+            <a:off x="837362" y="1229747"/>
+            <a:ext cx="4830143" cy="1090212"/>
+          </a:xfrm>
+          <a:prstGeom prst="rect">
+            <a:avLst/>
+          </a:prstGeom>
+        </p:spPr>
+      </p:pic>
+      <p:pic>
+        <p:nvPicPr>
+          <p:cNvPr id="5" name="Picture 4">
+            <a:extLst>
+              <a:ext uri="{FF2B5EF4-FFF2-40B4-BE49-F238E27FC236}">
+                <a16:creationId xmlns:a16="http://schemas.microsoft.com/office/drawing/2014/main" id="{15AD1F21-7D45-4F20-8BE8-E25CCEEB6F64}"/>
+              </a:ext>
+            </a:extLst>
+          </p:cNvPr>
+          <p:cNvPicPr>
+            <a:picLocks noChangeAspect="1"/>
+          </p:cNvPicPr>
+          <p:nvPr/>
+        </p:nvPicPr>
+        <p:blipFill>
+          <a:blip r:embed="rId4"/>
+          <a:stretch>
+            <a:fillRect/>
+          </a:stretch>
+        </p:blipFill>
+        <p:spPr>
+          <a:xfrm>
+            <a:off x="837362" y="2531981"/>
+            <a:ext cx="3966828" cy="2008284"/>
+          </a:xfrm>
+          <a:prstGeom prst="rect">
+            <a:avLst/>
+          </a:prstGeom>
+        </p:spPr>
+      </p:pic>
+    </p:spTree>
+    <p:extLst>
+      <p:ext uri="{BB962C8B-B14F-4D97-AF65-F5344CB8AC3E}">
+        <p14:creationId xmlns:p14="http://schemas.microsoft.com/office/powerpoint/2010/main" val="3630987550"/>
+      </p:ext>
+    </p:extLst>
+  </p:cSld>
+  <p:clrMapOvr>
+    <a:masterClrMapping/>
+  </p:clrMapOvr>
+</p:sld>
+</file>
+
+<file path=ppt/slides/slide26.xml><?xml version="1.0" encoding="utf-8"?>
+<p:sld xmlns:a="http://schemas.openxmlformats.org/drawingml/2006/main" xmlns:r="http://schemas.openxmlformats.org/officeDocument/2006/relationships" xmlns:p="http://schemas.openxmlformats.org/presentationml/2006/main">
+  <p:cSld>
+    <p:spTree>
+      <p:nvGrpSpPr>
+        <p:cNvPr id="1" name="Shape 83"/>
+        <p:cNvGrpSpPr/>
+        <p:nvPr/>
+      </p:nvGrpSpPr>
+      <p:grpSpPr>
+        <a:xfrm>
+          <a:off x="0" y="0"/>
+          <a:ext cx="0" cy="0"/>
+          <a:chOff x="0" y="0"/>
+          <a:chExt cx="0" cy="0"/>
+        </a:xfrm>
+      </p:grpSpPr>
+      <p:sp>
+        <p:nvSpPr>
+          <p:cNvPr id="84" name="Google Shape;84;p18"/>
+          <p:cNvSpPr txBox="1">
+            <a:spLocks noGrp="1"/>
+          </p:cNvSpPr>
+          <p:nvPr>
+            <p:ph type="title"/>
+          </p:nvPr>
+        </p:nvSpPr>
+        <p:spPr>
+          <a:xfrm>
+            <a:off x="311700" y="445025"/>
+            <a:ext cx="8520600" cy="572700"/>
+          </a:xfrm>
+          <a:prstGeom prst="rect">
+            <a:avLst/>
+          </a:prstGeom>
+        </p:spPr>
+        <p:txBody>
+          <a:bodyPr spcFirstLastPara="1" wrap="square" lIns="91425" tIns="91425" rIns="91425" bIns="91425" anchor="t" anchorCtr="0">
+            <a:noAutofit/>
+          </a:bodyPr>
+          <a:lstStyle/>
+          <a:p>
+            <a:pPr marL="0" lvl="0" indent="0" algn="l" rtl="0">
+              <a:spcBef>
+                <a:spcPts val="0"/>
+              </a:spcBef>
+              <a:spcAft>
+                <a:spcPts val="0"/>
+              </a:spcAft>
+              <a:buNone/>
+            </a:pPr>
+            <a:r>
+              <a:rPr lang="en" b="1" dirty="0"/>
+              <a:t>Addressing Relevant Implications</a:t>
+            </a:r>
+            <a:endParaRPr b="1" dirty="0"/>
+          </a:p>
+        </p:txBody>
+      </p:sp>
+      <p:sp>
+        <p:nvSpPr>
+          <p:cNvPr id="85" name="Google Shape;85;p18"/>
+          <p:cNvSpPr txBox="1">
+            <a:spLocks noGrp="1"/>
+          </p:cNvSpPr>
+          <p:nvPr>
+            <p:ph type="body" idx="1"/>
+          </p:nvPr>
+        </p:nvSpPr>
+        <p:spPr>
+          <a:xfrm>
+            <a:off x="311700" y="1152475"/>
+            <a:ext cx="8520600" cy="3416400"/>
+          </a:xfrm>
+          <a:prstGeom prst="rect">
+            <a:avLst/>
+          </a:prstGeom>
+        </p:spPr>
+        <p:txBody>
+          <a:bodyPr spcFirstLastPara="1" wrap="square" lIns="91425" tIns="91425" rIns="91425" bIns="91425" anchor="t" anchorCtr="0">
+            <a:noAutofit/>
+          </a:bodyPr>
+          <a:lstStyle/>
+          <a:p>
+            <a:pPr marL="0" lvl="0" indent="0" algn="l" rtl="0">
+              <a:spcBef>
+                <a:spcPts val="0"/>
+              </a:spcBef>
+              <a:spcAft>
+                <a:spcPts val="1600"/>
+              </a:spcAft>
+              <a:buNone/>
+            </a:pPr>
+            <a:r>
+              <a:rPr lang="en-NZ" i="1" dirty="0"/>
+              <a:t>I’ve comprehensively tested my outcome to ensure that the functionality implication has been address (i.e., it works for expected, unexpected, and boundary values).</a:t>
+            </a:r>
+          </a:p>
+          <a:p>
+            <a:pPr marL="0" lvl="0" indent="0" algn="l" rtl="0">
+              <a:spcBef>
+                <a:spcPts val="0"/>
+              </a:spcBef>
+              <a:spcAft>
+                <a:spcPts val="1600"/>
+              </a:spcAft>
+              <a:buNone/>
+            </a:pPr>
+            <a:r>
+              <a:rPr lang="en-NZ" i="1" dirty="0"/>
+              <a:t>The inclusion of optional instructions and clear error messages help to make the out come easy to use (i.e., addresses the Usability implication)</a:t>
+            </a:r>
+          </a:p>
+          <a:p>
+            <a:pPr marL="0" lvl="0" indent="0" algn="l" rtl="0">
+              <a:spcBef>
+                <a:spcPts val="0"/>
+              </a:spcBef>
+              <a:spcAft>
+                <a:spcPts val="1600"/>
+              </a:spcAft>
+              <a:buNone/>
+            </a:pPr>
+            <a:r>
+              <a:rPr lang="en-NZ" i="1" dirty="0"/>
+              <a:t>I’ve also carefully spaced the program’s output and used a statement generator function to address the aesthetics implication. Whilst aesthetics is not the main focus of text based programs, ensuring the outcome looks good also helps address the usability implication.</a:t>
+            </a:r>
+          </a:p>
+        </p:txBody>
+      </p:sp>
+    </p:spTree>
+    <p:extLst>
+      <p:ext uri="{BB962C8B-B14F-4D97-AF65-F5344CB8AC3E}">
+        <p14:creationId xmlns:p14="http://schemas.microsoft.com/office/powerpoint/2010/main" val="251612550"/>
+      </p:ext>
+    </p:extLst>
+  </p:cSld>
+  <p:clrMapOvr>
+    <a:masterClrMapping/>
+  </p:clrMapOvr>
+</p:sld>
+</file>
+
+<file path=ppt/slides/slide27.xml><?xml version="1.0" encoding="utf-8"?>
+<p:sld xmlns:a="http://schemas.openxmlformats.org/drawingml/2006/main" xmlns:r="http://schemas.openxmlformats.org/officeDocument/2006/relationships" xmlns:p="http://schemas.openxmlformats.org/presentationml/2006/main">
+  <p:cSld>
+    <p:spTree>
+      <p:nvGrpSpPr>
+        <p:cNvPr id="1" name="Shape 83"/>
+        <p:cNvGrpSpPr/>
+        <p:nvPr/>
+      </p:nvGrpSpPr>
+      <p:grpSpPr>
+        <a:xfrm>
+          <a:off x="0" y="0"/>
+          <a:ext cx="0" cy="0"/>
+          <a:chOff x="0" y="0"/>
+          <a:chExt cx="0" cy="0"/>
+        </a:xfrm>
+      </p:grpSpPr>
+      <p:sp>
+        <p:nvSpPr>
+          <p:cNvPr id="84" name="Google Shape;84;p18"/>
+          <p:cNvSpPr txBox="1">
+            <a:spLocks noGrp="1"/>
+          </p:cNvSpPr>
+          <p:nvPr>
+            <p:ph type="title"/>
+          </p:nvPr>
+        </p:nvSpPr>
+        <p:spPr>
+          <a:xfrm>
+            <a:off x="311700" y="445025"/>
+            <a:ext cx="8520600" cy="572700"/>
+          </a:xfrm>
+          <a:prstGeom prst="rect">
+            <a:avLst/>
+          </a:prstGeom>
+        </p:spPr>
+        <p:txBody>
+          <a:bodyPr spcFirstLastPara="1" wrap="square" lIns="91425" tIns="91425" rIns="91425" bIns="91425" anchor="t" anchorCtr="0">
+            <a:noAutofit/>
+          </a:bodyPr>
+          <a:lstStyle/>
+          <a:p>
+            <a:pPr marL="0" lvl="0" indent="0" algn="l" rtl="0">
+              <a:spcBef>
+                <a:spcPts val="0"/>
+              </a:spcBef>
+              <a:spcAft>
+                <a:spcPts val="0"/>
+              </a:spcAft>
+              <a:buNone/>
+            </a:pPr>
+            <a:r>
+              <a:rPr lang="en" b="1" dirty="0"/>
+              <a:t>Addressing Relevant Implications</a:t>
+            </a:r>
+            <a:endParaRPr b="1" dirty="0"/>
+          </a:p>
+        </p:txBody>
+      </p:sp>
+      <p:sp>
+        <p:nvSpPr>
+          <p:cNvPr id="85" name="Google Shape;85;p18"/>
+          <p:cNvSpPr txBox="1">
+            <a:spLocks noGrp="1"/>
+          </p:cNvSpPr>
+          <p:nvPr>
+            <p:ph type="body" idx="1"/>
+          </p:nvPr>
+        </p:nvSpPr>
+        <p:spPr>
+          <a:xfrm>
+            <a:off x="311700" y="1152475"/>
+            <a:ext cx="8520600" cy="3416400"/>
+          </a:xfrm>
+          <a:prstGeom prst="rect">
+            <a:avLst/>
+          </a:prstGeom>
+        </p:spPr>
+        <p:txBody>
+          <a:bodyPr spcFirstLastPara="1" wrap="square" lIns="91425" tIns="91425" rIns="91425" bIns="91425" anchor="t" anchorCtr="0">
+            <a:noAutofit/>
+          </a:bodyPr>
+          <a:lstStyle/>
+          <a:p>
+            <a:pPr marL="0" lvl="0" indent="0" algn="l" rtl="0">
+              <a:spcBef>
+                <a:spcPts val="0"/>
+              </a:spcBef>
+              <a:spcAft>
+                <a:spcPts val="1600"/>
+              </a:spcAft>
+              <a:buNone/>
+            </a:pPr>
+            <a:r>
+              <a:rPr lang="en" i="1" dirty="0"/>
+              <a:t>Finally, my program has a limit on the amount users can spend. This addreses the social implicayion as we have a gambling game but want toensure that users do not spend an excessive amount of money. </a:t>
+            </a:r>
+            <a:endParaRPr i="1" dirty="0"/>
+          </a:p>
+        </p:txBody>
+      </p:sp>
+    </p:spTree>
+    <p:extLst>
+      <p:ext uri="{BB962C8B-B14F-4D97-AF65-F5344CB8AC3E}">
+        <p14:creationId xmlns:p14="http://schemas.microsoft.com/office/powerpoint/2010/main" val="824036131"/>
+      </p:ext>
+    </p:extLst>
+  </p:cSld>
+  <p:clrMapOvr>
+    <a:masterClrMapping/>
+  </p:clrMapOvr>
+</p:sld>
+</file>
+
+<file path=ppt/slides/slide28.xml><?xml version="1.0" encoding="utf-8"?>
+<p:sld xmlns:a="http://schemas.openxmlformats.org/drawingml/2006/main" xmlns:r="http://schemas.openxmlformats.org/officeDocument/2006/relationships" xmlns:p="http://schemas.openxmlformats.org/presentationml/2006/main">
+  <p:cSld>
+    <p:spTree>
+      <p:nvGrpSpPr>
+        <p:cNvPr id="1" name="Shape 83"/>
+        <p:cNvGrpSpPr/>
+        <p:nvPr/>
+      </p:nvGrpSpPr>
+      <p:grpSpPr>
+        <a:xfrm>
+          <a:off x="0" y="0"/>
+          <a:ext cx="0" cy="0"/>
+          <a:chOff x="0" y="0"/>
+          <a:chExt cx="0" cy="0"/>
+        </a:xfrm>
+      </p:grpSpPr>
+      <p:sp>
+        <p:nvSpPr>
+          <p:cNvPr id="84" name="Google Shape;84;p18"/>
+          <p:cNvSpPr txBox="1">
+            <a:spLocks noGrp="1"/>
+          </p:cNvSpPr>
+          <p:nvPr>
+            <p:ph type="title"/>
+          </p:nvPr>
+        </p:nvSpPr>
+        <p:spPr>
+          <a:xfrm>
+            <a:off x="311700" y="445025"/>
+            <a:ext cx="8520600" cy="572700"/>
+          </a:xfrm>
+          <a:prstGeom prst="rect">
+            <a:avLst/>
+          </a:prstGeom>
+        </p:spPr>
+        <p:txBody>
+          <a:bodyPr spcFirstLastPara="1" wrap="square" lIns="91425" tIns="91425" rIns="91425" bIns="91425" anchor="t" anchorCtr="0">
+            <a:noAutofit/>
+          </a:bodyPr>
+          <a:lstStyle/>
+          <a:p>
+            <a:pPr marL="0" lvl="0" indent="0" algn="l" rtl="0">
+              <a:spcBef>
+                <a:spcPts val="0"/>
+              </a:spcBef>
+              <a:spcAft>
+                <a:spcPts val="0"/>
+              </a:spcAft>
+              <a:buNone/>
+            </a:pPr>
+            <a:r>
+              <a:rPr lang="en" b="1" dirty="0"/>
               <a:t>Trialling Slide</a:t>
             </a:r>
             <a:endParaRPr b="1" dirty="0"/>
@@ -10783,7 +12342,7 @@
     </p:spTree>
     <p:extLst>
       <p:ext uri="{BB962C8B-B14F-4D97-AF65-F5344CB8AC3E}">
-        <p14:creationId xmlns:p14="http://schemas.microsoft.com/office/powerpoint/2010/main" val="3904289725"/>
+        <p14:creationId xmlns:p14="http://schemas.microsoft.com/office/powerpoint/2010/main" val="3494287985"/>
       </p:ext>
     </p:extLst>
   </p:cSld>
@@ -12808,6 +14367,12 @@
 </file>
 
 <file path=customXml/item1.xml><?xml version="1.0" encoding="utf-8"?>
+<p:properties xmlns:p="http://schemas.microsoft.com/office/2006/metadata/properties" xmlns:xsi="http://www.w3.org/2001/XMLSchema-instance" xmlns:pc="http://schemas.microsoft.com/office/infopath/2007/PartnerControls">
+  <documentManagement/>
+</p:properties>
+</file>
+
+<file path=customXml/item2.xml><?xml version="1.0" encoding="utf-8"?>
 <ct:contentTypeSchema xmlns:ct="http://schemas.microsoft.com/office/2006/metadata/contentType" xmlns:ma="http://schemas.microsoft.com/office/2006/metadata/properties/metaAttributes" ct:_="" ma:_="" ma:contentTypeName="Document" ma:contentTypeID="0x010100CA5D8974BE78F944A108BF13F2B4CD6A" ma:contentTypeVersion="5" ma:contentTypeDescription="Create a new document." ma:contentTypeScope="" ma:versionID="1e3fc9c3ad9c16f936602fded155d02d">
   <xsd:schema xmlns:xsd="http://www.w3.org/2001/XMLSchema" xmlns:xs="http://www.w3.org/2001/XMLSchema" xmlns:p="http://schemas.microsoft.com/office/2006/metadata/properties" xmlns:ns2="4f936efd-07e9-48ba-b668-2cff2968e155" targetNamespace="http://schemas.microsoft.com/office/2006/metadata/properties" ma:root="true" ma:fieldsID="642a89d75a32cde1551b8a68a7f33533" ns2:_="">
     <xsd:import namespace="4f936efd-07e9-48ba-b668-2cff2968e155"/>
@@ -12959,12 +14524,6 @@
 </ct:contentTypeSchema>
 </file>
 
-<file path=customXml/item2.xml><?xml version="1.0" encoding="utf-8"?>
-<p:properties xmlns:p="http://schemas.microsoft.com/office/2006/metadata/properties" xmlns:xsi="http://www.w3.org/2001/XMLSchema-instance" xmlns:pc="http://schemas.microsoft.com/office/infopath/2007/PartnerControls">
-  <documentManagement/>
-</p:properties>
-</file>
-
 <file path=customXml/item3.xml><?xml version="1.0" encoding="utf-8"?>
 <?mso-contentType ?>
 <FormTemplates xmlns="http://schemas.microsoft.com/sharepoint/v3/contenttype/forms">
@@ -12975,6 +14534,15 @@
 </file>
 
 <file path=customXml/itemProps1.xml><?xml version="1.0" encoding="utf-8"?>
+<ds:datastoreItem xmlns:ds="http://schemas.openxmlformats.org/officeDocument/2006/customXml" ds:itemID="{516D10BD-0186-4A00-BD37-17D1BDE22574}">
+  <ds:schemaRefs>
+    <ds:schemaRef ds:uri="http://schemas.microsoft.com/office/2006/metadata/properties"/>
+    <ds:schemaRef ds:uri="http://schemas.microsoft.com/office/infopath/2007/PartnerControls"/>
+  </ds:schemaRefs>
+</ds:datastoreItem>
+</file>
+
+<file path=customXml/itemProps2.xml><?xml version="1.0" encoding="utf-8"?>
 <ds:datastoreItem xmlns:ds="http://schemas.openxmlformats.org/officeDocument/2006/customXml" ds:itemID="{ECB9EDA7-7083-49EA-8C49-43EBAAC54B35}">
   <ds:schemaRefs>
     <ds:schemaRef ds:uri="http://schemas.microsoft.com/office/2006/metadata/contentType"/>
@@ -12992,15 +14560,6 @@
 </ds:datastoreItem>
 </file>
 
-<file path=customXml/itemProps2.xml><?xml version="1.0" encoding="utf-8"?>
-<ds:datastoreItem xmlns:ds="http://schemas.openxmlformats.org/officeDocument/2006/customXml" ds:itemID="{516D10BD-0186-4A00-BD37-17D1BDE22574}">
-  <ds:schemaRefs>
-    <ds:schemaRef ds:uri="http://schemas.microsoft.com/office/2006/metadata/properties"/>
-    <ds:schemaRef ds:uri="http://schemas.microsoft.com/office/infopath/2007/PartnerControls"/>
-  </ds:schemaRefs>
-</ds:datastoreItem>
-</file>
-
 <file path=customXml/itemProps3.xml><?xml version="1.0" encoding="utf-8"?>
 <ds:datastoreItem xmlns:ds="http://schemas.openxmlformats.org/officeDocument/2006/customXml" ds:itemID="{C55A4F12-1C67-45BB-AEF0-B8BD3F656B95}">
   <ds:schemaRefs>
